--- a/Slideshow.pptx
+++ b/Slideshow.pptx
@@ -7441,6 +7441,40 @@
           </a:p>
         </p:txBody>
       </p:sp>
+      <p:sp>
+        <p:nvSpPr>
+          <p:cNvPr id="5" name="textruta 4">
+            <a:extLst>
+              <a:ext uri="{FF2B5EF4-FFF2-40B4-BE49-F238E27FC236}">
+                <a16:creationId xmlns:a16="http://schemas.microsoft.com/office/drawing/2014/main" id="{DC0450DB-37DA-4650-86C5-6A647FF4DC59}"/>
+              </a:ext>
+            </a:extLst>
+          </p:cNvPr>
+          <p:cNvSpPr txBox="1"/>
+          <p:nvPr/>
+        </p:nvSpPr>
+        <p:spPr>
+          <a:xfrm>
+            <a:off x="0" y="6488668"/>
+            <a:ext cx="966651" cy="369332"/>
+          </a:xfrm>
+          <a:prstGeom prst="rect">
+            <a:avLst/>
+          </a:prstGeom>
+          <a:solidFill>
+            <a:srgbClr val="F7F7F7"/>
+          </a:solidFill>
+        </p:spPr>
+        <p:txBody>
+          <a:bodyPr wrap="square" rtlCol="0">
+            <a:spAutoFit/>
+          </a:bodyPr>
+          <a:lstStyle/>
+          <a:p>
+            <a:endParaRPr lang="en-SE" dirty="0"/>
+          </a:p>
+        </p:txBody>
+      </p:sp>
     </p:spTree>
     <p:extLst>
       <p:ext uri="{BB962C8B-B14F-4D97-AF65-F5344CB8AC3E}">
@@ -12516,12 +12550,11 @@
 </file>
 
 <file path=customXml/item1.xml><?xml version="1.0" encoding="utf-8"?>
-<?mso-contentType ?>
-<FormTemplates xmlns="http://schemas.microsoft.com/sharepoint/v3/contenttype/forms">
-  <Display>DocumentLibraryForm</Display>
-  <Edit>DocumentLibraryForm</Edit>
-  <New>DocumentLibraryForm</New>
-</FormTemplates>
+<p:properties xmlns:p="http://schemas.microsoft.com/office/2006/metadata/properties" xmlns:xsi="http://www.w3.org/2001/XMLSchema-instance" xmlns:pc="http://schemas.microsoft.com/office/infopath/2007/PartnerControls">
+  <documentManagement>
+    <MediaServiceKeyPoints xmlns="71af3243-3dd4-4a8d-8c0d-dd76da1f02a5" xsi:nil="true"/>
+  </documentManagement>
+</p:properties>
 </file>
 
 <file path=customXml/item2.xml><?xml version="1.0" encoding="utf-8"?>
@@ -12736,17 +12769,27 @@
 </file>
 
 <file path=customXml/item3.xml><?xml version="1.0" encoding="utf-8"?>
-<p:properties xmlns:p="http://schemas.microsoft.com/office/2006/metadata/properties" xmlns:xsi="http://www.w3.org/2001/XMLSchema-instance" xmlns:pc="http://schemas.microsoft.com/office/infopath/2007/PartnerControls">
-  <documentManagement>
-    <MediaServiceKeyPoints xmlns="71af3243-3dd4-4a8d-8c0d-dd76da1f02a5" xsi:nil="true"/>
-  </documentManagement>
-</p:properties>
+<?mso-contentType ?>
+<FormTemplates xmlns="http://schemas.microsoft.com/sharepoint/v3/contenttype/forms">
+  <Display>DocumentLibraryForm</Display>
+  <Edit>DocumentLibraryForm</Edit>
+  <New>DocumentLibraryForm</New>
+</FormTemplates>
 </file>
 
 <file path=customXml/itemProps1.xml><?xml version="1.0" encoding="utf-8"?>
-<ds:datastoreItem xmlns:ds="http://schemas.openxmlformats.org/officeDocument/2006/customXml" ds:itemID="{CBCEF3AB-10D4-49E3-B75C-776D60141D78}">
+<ds:datastoreItem xmlns:ds="http://schemas.openxmlformats.org/officeDocument/2006/customXml" ds:itemID="{2AC98A6E-22EC-4DD4-9EEB-7896057C12A3}">
   <ds:schemaRefs>
-    <ds:schemaRef ds:uri="http://schemas.microsoft.com/sharepoint/v3/contenttype/forms"/>
+    <ds:schemaRef ds:uri="71af3243-3dd4-4a8d-8c0d-dd76da1f02a5"/>
+    <ds:schemaRef ds:uri="http://purl.org/dc/dcmitype/"/>
+    <ds:schemaRef ds:uri="http://schemas.microsoft.com/office/2006/documentManagement/types"/>
+    <ds:schemaRef ds:uri="http://www.w3.org/XML/1998/namespace"/>
+    <ds:schemaRef ds:uri="http://schemas.microsoft.com/office/2006/metadata/properties"/>
+    <ds:schemaRef ds:uri="http://purl.org/dc/elements/1.1/"/>
+    <ds:schemaRef ds:uri="http://schemas.microsoft.com/office/infopath/2007/PartnerControls"/>
+    <ds:schemaRef ds:uri="http://schemas.openxmlformats.org/package/2006/metadata/core-properties"/>
+    <ds:schemaRef ds:uri="16c05727-aa75-4e4a-9b5f-8a80a1165891"/>
+    <ds:schemaRef ds:uri="http://purl.org/dc/terms/"/>
   </ds:schemaRefs>
 </ds:datastoreItem>
 </file>
@@ -12771,18 +12814,9 @@
 </file>
 
 <file path=customXml/itemProps3.xml><?xml version="1.0" encoding="utf-8"?>
-<ds:datastoreItem xmlns:ds="http://schemas.openxmlformats.org/officeDocument/2006/customXml" ds:itemID="{2AC98A6E-22EC-4DD4-9EEB-7896057C12A3}">
+<ds:datastoreItem xmlns:ds="http://schemas.openxmlformats.org/officeDocument/2006/customXml" ds:itemID="{CBCEF3AB-10D4-49E3-B75C-776D60141D78}">
   <ds:schemaRefs>
-    <ds:schemaRef ds:uri="71af3243-3dd4-4a8d-8c0d-dd76da1f02a5"/>
-    <ds:schemaRef ds:uri="http://purl.org/dc/dcmitype/"/>
-    <ds:schemaRef ds:uri="http://schemas.microsoft.com/office/2006/documentManagement/types"/>
-    <ds:schemaRef ds:uri="http://www.w3.org/XML/1998/namespace"/>
-    <ds:schemaRef ds:uri="http://schemas.microsoft.com/office/2006/metadata/properties"/>
-    <ds:schemaRef ds:uri="http://purl.org/dc/elements/1.1/"/>
-    <ds:schemaRef ds:uri="http://schemas.microsoft.com/office/infopath/2007/PartnerControls"/>
-    <ds:schemaRef ds:uri="http://schemas.openxmlformats.org/package/2006/metadata/core-properties"/>
-    <ds:schemaRef ds:uri="16c05727-aa75-4e4a-9b5f-8a80a1165891"/>
-    <ds:schemaRef ds:uri="http://purl.org/dc/terms/"/>
+    <ds:schemaRef ds:uri="http://schemas.microsoft.com/sharepoint/v3/contenttype/forms"/>
   </ds:schemaRefs>
 </ds:datastoreItem>
 </file>
--- a/Slideshow.pptx
+++ b/Slideshow.pptx
@@ -254,7 +254,7 @@
             <a:pPr rtl="0"/>
             <a:fld id="{EF25BA14-EFBB-44DA-B7A9-D93105952DA1}" type="datetime1">
               <a:rPr lang="sv-SE" smtClean="0"/>
-              <a:t>2022-01-05</a:t>
+              <a:t>2022-01-07</a:t>
             </a:fld>
             <a:endParaRPr lang="sv-SE"/>
           </a:p>
@@ -398,7 +398,7 @@
             <a:fld id="{8A865702-7DF9-4BFF-8A8E-90E442266A17}" type="datetime1">
               <a:rPr lang="sv-SE" smtClean="0"/>
               <a:pPr/>
-              <a:t>2022-01-05</a:t>
+              <a:t>2022-01-07</a:t>
             </a:fld>
             <a:endParaRPr lang="sv-SE" dirty="0"/>
           </a:p>
@@ -2954,7 +2954,7 @@
           <a:lstStyle/>
           <a:p>
             <a:pPr algn="ctr" rtl="0"/>
-            <a:endParaRPr lang="sv-SE"/>
+            <a:endParaRPr lang="sv-SE" dirty="0"/>
           </a:p>
         </p:txBody>
       </p:sp>
@@ -9977,23 +9977,7 @@
                   <a:schemeClr val="bg2"/>
                 </a:solidFill>
               </a:rPr>
-              <a:t>Att planera eller ”</a:t>
-            </a:r>
-            <a:r>
-              <a:rPr lang="sv-SE" sz="2400" dirty="0" err="1">
-                <a:solidFill>
-                  <a:schemeClr val="bg2"/>
-                </a:solidFill>
-              </a:rPr>
-              <a:t>guesstimera</a:t>
-            </a:r>
-            <a:r>
-              <a:rPr lang="sv-SE" sz="2400" dirty="0">
-                <a:solidFill>
-                  <a:schemeClr val="bg2"/>
-                </a:solidFill>
-              </a:rPr>
-              <a:t>” tidsåtgången var mycket svårt.</a:t>
+              <a:t>Att planera eller ”estimera” tidsåtgången var mycket svårt.</a:t>
             </a:r>
           </a:p>
         </p:txBody>
@@ -10756,7 +10740,7 @@
         <p:spPr>
           <a:xfrm>
             <a:off x="342900" y="2196846"/>
-            <a:ext cx="6604233" cy="830997"/>
+            <a:ext cx="6604233" cy="1200329"/>
           </a:xfrm>
           <a:prstGeom prst="rect">
             <a:avLst/>
@@ -10775,8 +10759,15 @@
                   <a:schemeClr val="bg2"/>
                 </a:solidFill>
               </a:rPr>
-              <a:t>Vi behöver stramare regler kring vem som skriver under en mobb- eller par-programmerings sektion.</a:t>
+              <a:t>Det blev lätt att en med mer erfarenhet tog over projektet.</a:t>
             </a:r>
+          </a:p>
+          <a:p>
+            <a:endParaRPr lang="sv-SE" sz="2400" dirty="0">
+              <a:solidFill>
+                <a:schemeClr val="bg2"/>
+              </a:solidFill>
+            </a:endParaRPr>
           </a:p>
         </p:txBody>
       </p:sp>
@@ -10794,8 +10785,8 @@
         </p:nvSpPr>
         <p:spPr>
           <a:xfrm>
-            <a:off x="4747738" y="4403679"/>
-            <a:ext cx="5503608" cy="1569660"/>
+            <a:off x="5810184" y="4116296"/>
+            <a:ext cx="5503608" cy="2308324"/>
           </a:xfrm>
           <a:prstGeom prst="rect">
             <a:avLst/>
@@ -10817,7 +10808,7 @@
                   </a:schemeClr>
                 </a:solidFill>
               </a:rPr>
-              <a:t>Det blev lätt att en med mer erfarenhet tog över projektet. I en grupp reflektion kom vi överens om att utnyttja en timer för att alla ska få skriva lika mycket.</a:t>
+              <a:t>I en grupp reflektion kom vi överens om att utnyttja en timer för att alla ska få skriva lika mycket. Vi kom överens om stramare regler kring vem som skriver under en mobb- eller par-programmerings sektion.</a:t>
             </a:r>
           </a:p>
         </p:txBody>
@@ -12550,11 +12541,12 @@
 </file>
 
 <file path=customXml/item1.xml><?xml version="1.0" encoding="utf-8"?>
-<p:properties xmlns:p="http://schemas.microsoft.com/office/2006/metadata/properties" xmlns:xsi="http://www.w3.org/2001/XMLSchema-instance" xmlns:pc="http://schemas.microsoft.com/office/infopath/2007/PartnerControls">
-  <documentManagement>
-    <MediaServiceKeyPoints xmlns="71af3243-3dd4-4a8d-8c0d-dd76da1f02a5" xsi:nil="true"/>
-  </documentManagement>
-</p:properties>
+<?mso-contentType ?>
+<FormTemplates xmlns="http://schemas.microsoft.com/sharepoint/v3/contenttype/forms">
+  <Display>DocumentLibraryForm</Display>
+  <Edit>DocumentLibraryForm</Edit>
+  <New>DocumentLibraryForm</New>
+</FormTemplates>
 </file>
 
 <file path=customXml/item2.xml><?xml version="1.0" encoding="utf-8"?>
@@ -12769,27 +12761,17 @@
 </file>
 
 <file path=customXml/item3.xml><?xml version="1.0" encoding="utf-8"?>
-<?mso-contentType ?>
-<FormTemplates xmlns="http://schemas.microsoft.com/sharepoint/v3/contenttype/forms">
-  <Display>DocumentLibraryForm</Display>
-  <Edit>DocumentLibraryForm</Edit>
-  <New>DocumentLibraryForm</New>
-</FormTemplates>
+<p:properties xmlns:p="http://schemas.microsoft.com/office/2006/metadata/properties" xmlns:xsi="http://www.w3.org/2001/XMLSchema-instance" xmlns:pc="http://schemas.microsoft.com/office/infopath/2007/PartnerControls">
+  <documentManagement>
+    <MediaServiceKeyPoints xmlns="71af3243-3dd4-4a8d-8c0d-dd76da1f02a5" xsi:nil="true"/>
+  </documentManagement>
+</p:properties>
 </file>
 
 <file path=customXml/itemProps1.xml><?xml version="1.0" encoding="utf-8"?>
-<ds:datastoreItem xmlns:ds="http://schemas.openxmlformats.org/officeDocument/2006/customXml" ds:itemID="{2AC98A6E-22EC-4DD4-9EEB-7896057C12A3}">
+<ds:datastoreItem xmlns:ds="http://schemas.openxmlformats.org/officeDocument/2006/customXml" ds:itemID="{CBCEF3AB-10D4-49E3-B75C-776D60141D78}">
   <ds:schemaRefs>
-    <ds:schemaRef ds:uri="71af3243-3dd4-4a8d-8c0d-dd76da1f02a5"/>
-    <ds:schemaRef ds:uri="http://purl.org/dc/dcmitype/"/>
-    <ds:schemaRef ds:uri="http://schemas.microsoft.com/office/2006/documentManagement/types"/>
-    <ds:schemaRef ds:uri="http://www.w3.org/XML/1998/namespace"/>
-    <ds:schemaRef ds:uri="http://schemas.microsoft.com/office/2006/metadata/properties"/>
-    <ds:schemaRef ds:uri="http://purl.org/dc/elements/1.1/"/>
-    <ds:schemaRef ds:uri="http://schemas.microsoft.com/office/infopath/2007/PartnerControls"/>
-    <ds:schemaRef ds:uri="http://schemas.openxmlformats.org/package/2006/metadata/core-properties"/>
-    <ds:schemaRef ds:uri="16c05727-aa75-4e4a-9b5f-8a80a1165891"/>
-    <ds:schemaRef ds:uri="http://purl.org/dc/terms/"/>
+    <ds:schemaRef ds:uri="http://schemas.microsoft.com/sharepoint/v3/contenttype/forms"/>
   </ds:schemaRefs>
 </ds:datastoreItem>
 </file>
@@ -12814,9 +12796,18 @@
 </file>
 
 <file path=customXml/itemProps3.xml><?xml version="1.0" encoding="utf-8"?>
-<ds:datastoreItem xmlns:ds="http://schemas.openxmlformats.org/officeDocument/2006/customXml" ds:itemID="{CBCEF3AB-10D4-49E3-B75C-776D60141D78}">
+<ds:datastoreItem xmlns:ds="http://schemas.openxmlformats.org/officeDocument/2006/customXml" ds:itemID="{2AC98A6E-22EC-4DD4-9EEB-7896057C12A3}">
   <ds:schemaRefs>
-    <ds:schemaRef ds:uri="http://schemas.microsoft.com/sharepoint/v3/contenttype/forms"/>
+    <ds:schemaRef ds:uri="71af3243-3dd4-4a8d-8c0d-dd76da1f02a5"/>
+    <ds:schemaRef ds:uri="http://purl.org/dc/dcmitype/"/>
+    <ds:schemaRef ds:uri="http://schemas.microsoft.com/office/2006/documentManagement/types"/>
+    <ds:schemaRef ds:uri="http://www.w3.org/XML/1998/namespace"/>
+    <ds:schemaRef ds:uri="http://schemas.microsoft.com/office/2006/metadata/properties"/>
+    <ds:schemaRef ds:uri="http://purl.org/dc/elements/1.1/"/>
+    <ds:schemaRef ds:uri="http://schemas.microsoft.com/office/infopath/2007/PartnerControls"/>
+    <ds:schemaRef ds:uri="http://schemas.openxmlformats.org/package/2006/metadata/core-properties"/>
+    <ds:schemaRef ds:uri="16c05727-aa75-4e4a-9b5f-8a80a1165891"/>
+    <ds:schemaRef ds:uri="http://purl.org/dc/terms/"/>
   </ds:schemaRefs>
 </ds:datastoreItem>
 </file>